--- a/files/teaching-resources/monmouthcollege-econ-300/econ-300-f2024/econ-300-f2024-quiz/ECON300-F2024-Q01-RECAP.pptx
+++ b/files/teaching-resources/monmouthcollege-econ-300/econ-300-f2024/econ-300-f2024-quiz/ECON300-F2024-Q01-RECAP.pptx
@@ -209,7 +209,7 @@
           <a:p>
             <a:fld id="{0E0A6441-4E79-42FF-805B-86C90BDFD38D}" type="datetimeFigureOut">
               <a:rPr lang="en-US" smtClean="0"/>
-              <a:t>9/3/2024</a:t>
+              <a:t>9/6/2024</a:t>
             </a:fld>
             <a:endParaRPr lang="en-US" dirty="0"/>
           </a:p>
@@ -4379,7 +4379,25 @@
                         </a:solidFill>
                         <a:latin typeface="Cambria Math" panose="02040503050406030204" pitchFamily="18" charset="0"/>
                       </a:rPr>
+                      <m:t>(</m:t>
+                    </m:r>
+                    <m:r>
+                      <a:rPr lang="en-US" b="0" i="1" smtClean="0">
+                        <a:solidFill>
+                          <a:srgbClr val="FF0000"/>
+                        </a:solidFill>
+                        <a:latin typeface="Cambria Math" panose="02040503050406030204" pitchFamily="18" charset="0"/>
+                      </a:rPr>
                       <m:t>𝑃𝑖𝑧𝑧𝑎</m:t>
+                    </m:r>
+                    <m:r>
+                      <a:rPr lang="en-US" b="0" i="1" smtClean="0">
+                        <a:solidFill>
+                          <a:srgbClr val="FF0000"/>
+                        </a:solidFill>
+                        <a:latin typeface="Cambria Math" panose="02040503050406030204" pitchFamily="18" charset="0"/>
+                      </a:rPr>
+                      <m:t>)</m:t>
                     </m:r>
                     <m:r>
                       <a:rPr lang="en-US" b="0" i="1" smtClean="0">
@@ -4397,7 +4415,43 @@
                         </a:solidFill>
                         <a:latin typeface="Cambria Math" panose="02040503050406030204" pitchFamily="18" charset="0"/>
                       </a:rPr>
-                      <m:t>𝑆𝑜𝑓𝑡𝐷𝑟𝑖𝑛𝑘𝑠</m:t>
+                      <m:t>(</m:t>
+                    </m:r>
+                    <m:r>
+                      <a:rPr lang="en-US" b="0" i="1" smtClean="0">
+                        <a:solidFill>
+                          <a:srgbClr val="FF0000"/>
+                        </a:solidFill>
+                        <a:latin typeface="Cambria Math" panose="02040503050406030204" pitchFamily="18" charset="0"/>
+                      </a:rPr>
+                      <m:t>𝑆𝑜𝑓𝑡</m:t>
+                    </m:r>
+                    <m:r>
+                      <a:rPr lang="en-US" b="0" i="1" smtClean="0">
+                        <a:solidFill>
+                          <a:srgbClr val="FF0000"/>
+                        </a:solidFill>
+                        <a:latin typeface="Cambria Math" panose="02040503050406030204" pitchFamily="18" charset="0"/>
+                      </a:rPr>
+                      <m:t> </m:t>
+                    </m:r>
+                    <m:r>
+                      <a:rPr lang="en-US" b="0" i="1" smtClean="0">
+                        <a:solidFill>
+                          <a:srgbClr val="FF0000"/>
+                        </a:solidFill>
+                        <a:latin typeface="Cambria Math" panose="02040503050406030204" pitchFamily="18" charset="0"/>
+                      </a:rPr>
+                      <m:t>𝐷𝑟𝑖𝑛𝑘𝑠</m:t>
+                    </m:r>
+                    <m:r>
+                      <a:rPr lang="en-US" b="0" i="1" smtClean="0">
+                        <a:solidFill>
+                          <a:srgbClr val="FF0000"/>
+                        </a:solidFill>
+                        <a:latin typeface="Cambria Math" panose="02040503050406030204" pitchFamily="18" charset="0"/>
+                      </a:rPr>
+                      <m:t>)</m:t>
                     </m:r>
                     <m:r>
                       <a:rPr lang="en-US" b="0" i="1" smtClean="0">
@@ -5118,7 +5172,7 @@
                   <a:srgbClr val="FF0000"/>
                 </a:solidFill>
               </a:rPr>
-              <a:t>The only difference is that you can’t determine if soft drinks are goods or bads for the consumer.</a:t>
+              <a:t>The only difference is that you can’t determine if soft drinks are goods or bads for the consumer. The exception would be the consumer who only purchases pizza.</a:t>
             </a:r>
           </a:p>
         </p:txBody>
@@ -5262,7 +5316,7 @@
           <a:p>
             <a:r>
               <a:rPr lang="en-US" dirty="0"/>
-              <a:t>Quiz #1 “Recovery” Office Hours</a:t>
+              <a:t>Quiz #1 Recovery Office Hours</a:t>
             </a:r>
           </a:p>
         </p:txBody>
@@ -5331,7 +5385,7 @@
             </a:r>
             <a:r>
               <a:rPr lang="en-US" dirty="0"/>
-              <a:t>, 2024</a:t>
+              <a:t>, 2024 (Mon ~ Fri)</a:t>
             </a:r>
           </a:p>
           <a:p>
@@ -5555,6 +5609,193 @@
                 <a:pPr lvl="1"/>
                 <a14:m>
                   <m:oMath xmlns:m="http://schemas.openxmlformats.org/officeDocument/2006/math">
+                    <m:f>
+                      <m:fPr>
+                        <m:ctrlPr>
+                          <a:rPr lang="en-US" i="1">
+                            <a:solidFill>
+                              <a:srgbClr val="FF0000"/>
+                            </a:solidFill>
+                            <a:latin typeface="Cambria Math" panose="02040503050406030204" pitchFamily="18" charset="0"/>
+                          </a:rPr>
+                        </m:ctrlPr>
+                      </m:fPr>
+                      <m:num>
+                        <m:r>
+                          <a:rPr lang="en-US" b="0" i="1" smtClean="0">
+                            <a:solidFill>
+                              <a:srgbClr val="FF0000"/>
+                            </a:solidFill>
+                            <a:latin typeface="Cambria Math" panose="02040503050406030204" pitchFamily="18" charset="0"/>
+                          </a:rPr>
+                          <m:t>𝐴𝑚𝑜𝑢𝑛𝑡</m:t>
+                        </m:r>
+                        <m:r>
+                          <a:rPr lang="en-US" b="0" i="1" smtClean="0">
+                            <a:solidFill>
+                              <a:srgbClr val="FF0000"/>
+                            </a:solidFill>
+                            <a:latin typeface="Cambria Math" panose="02040503050406030204" pitchFamily="18" charset="0"/>
+                          </a:rPr>
+                          <m:t> </m:t>
+                        </m:r>
+                        <m:r>
+                          <a:rPr lang="en-US" b="0" i="1" smtClean="0">
+                            <a:solidFill>
+                              <a:srgbClr val="FF0000"/>
+                            </a:solidFill>
+                            <a:latin typeface="Cambria Math" panose="02040503050406030204" pitchFamily="18" charset="0"/>
+                          </a:rPr>
+                          <m:t>𝑜𝑓</m:t>
+                        </m:r>
+                        <m:r>
+                          <a:rPr lang="en-US" b="0" i="1" smtClean="0">
+                            <a:solidFill>
+                              <a:srgbClr val="FF0000"/>
+                            </a:solidFill>
+                            <a:latin typeface="Cambria Math" panose="02040503050406030204" pitchFamily="18" charset="0"/>
+                          </a:rPr>
+                          <m:t> </m:t>
+                        </m:r>
+                        <m:r>
+                          <a:rPr lang="en-US" b="0" i="1" smtClean="0">
+                            <a:solidFill>
+                              <a:srgbClr val="FF0000"/>
+                            </a:solidFill>
+                            <a:latin typeface="Cambria Math" panose="02040503050406030204" pitchFamily="18" charset="0"/>
+                          </a:rPr>
+                          <m:t>𝑀𝑜𝑛𝑒𝑦</m:t>
+                        </m:r>
+                        <m:r>
+                          <a:rPr lang="en-US" b="0" i="1" smtClean="0">
+                            <a:solidFill>
+                              <a:srgbClr val="FF0000"/>
+                            </a:solidFill>
+                            <a:latin typeface="Cambria Math" panose="02040503050406030204" pitchFamily="18" charset="0"/>
+                          </a:rPr>
+                          <m:t> </m:t>
+                        </m:r>
+                        <m:r>
+                          <a:rPr lang="en-US" b="0" i="1" smtClean="0">
+                            <a:solidFill>
+                              <a:srgbClr val="FF0000"/>
+                            </a:solidFill>
+                            <a:latin typeface="Cambria Math" panose="02040503050406030204" pitchFamily="18" charset="0"/>
+                          </a:rPr>
+                          <m:t>𝑌𝑜𝑢</m:t>
+                        </m:r>
+                        <m:r>
+                          <a:rPr lang="en-US" b="0" i="1" smtClean="0">
+                            <a:solidFill>
+                              <a:srgbClr val="FF0000"/>
+                            </a:solidFill>
+                            <a:latin typeface="Cambria Math" panose="02040503050406030204" pitchFamily="18" charset="0"/>
+                          </a:rPr>
+                          <m:t> </m:t>
+                        </m:r>
+                        <m:r>
+                          <a:rPr lang="en-US" b="0" i="1" smtClean="0">
+                            <a:solidFill>
+                              <a:srgbClr val="FF0000"/>
+                            </a:solidFill>
+                            <a:latin typeface="Cambria Math" panose="02040503050406030204" pitchFamily="18" charset="0"/>
+                          </a:rPr>
+                          <m:t>𝐻𝑎𝑣𝑒</m:t>
+                        </m:r>
+                      </m:num>
+                      <m:den>
+                        <m:r>
+                          <a:rPr lang="en-US" b="0" i="1" smtClean="0">
+                            <a:solidFill>
+                              <a:srgbClr val="FF0000"/>
+                            </a:solidFill>
+                            <a:latin typeface="Cambria Math" panose="02040503050406030204" pitchFamily="18" charset="0"/>
+                          </a:rPr>
+                          <m:t>𝑃𝑟𝑖𝑐𝑒</m:t>
+                        </m:r>
+                        <m:r>
+                          <a:rPr lang="en-US" b="0" i="1" smtClean="0">
+                            <a:solidFill>
+                              <a:srgbClr val="FF0000"/>
+                            </a:solidFill>
+                            <a:latin typeface="Cambria Math" panose="02040503050406030204" pitchFamily="18" charset="0"/>
+                          </a:rPr>
+                          <m:t> </m:t>
+                        </m:r>
+                        <m:r>
+                          <a:rPr lang="en-US" b="0" i="1" smtClean="0">
+                            <a:solidFill>
+                              <a:srgbClr val="FF0000"/>
+                            </a:solidFill>
+                            <a:latin typeface="Cambria Math" panose="02040503050406030204" pitchFamily="18" charset="0"/>
+                          </a:rPr>
+                          <m:t>𝑜𝑓</m:t>
+                        </m:r>
+                        <m:r>
+                          <a:rPr lang="en-US" b="0" i="1" smtClean="0">
+                            <a:solidFill>
+                              <a:srgbClr val="FF0000"/>
+                            </a:solidFill>
+                            <a:latin typeface="Cambria Math" panose="02040503050406030204" pitchFamily="18" charset="0"/>
+                          </a:rPr>
+                          <m:t> 1 </m:t>
+                        </m:r>
+                        <m:r>
+                          <a:rPr lang="en-US" b="0" i="1" smtClean="0">
+                            <a:solidFill>
+                              <a:srgbClr val="FF0000"/>
+                            </a:solidFill>
+                            <a:latin typeface="Cambria Math" panose="02040503050406030204" pitchFamily="18" charset="0"/>
+                          </a:rPr>
+                          <m:t>𝑆𝑙𝑖𝑐𝑒</m:t>
+                        </m:r>
+                        <m:r>
+                          <a:rPr lang="en-US" b="0" i="1" smtClean="0">
+                            <a:solidFill>
+                              <a:srgbClr val="FF0000"/>
+                            </a:solidFill>
+                            <a:latin typeface="Cambria Math" panose="02040503050406030204" pitchFamily="18" charset="0"/>
+                          </a:rPr>
+                          <m:t> </m:t>
+                        </m:r>
+                        <m:r>
+                          <a:rPr lang="en-US" b="0" i="1" smtClean="0">
+                            <a:solidFill>
+                              <a:srgbClr val="FF0000"/>
+                            </a:solidFill>
+                            <a:latin typeface="Cambria Math" panose="02040503050406030204" pitchFamily="18" charset="0"/>
+                          </a:rPr>
+                          <m:t>𝑜𝑓</m:t>
+                        </m:r>
+                        <m:r>
+                          <a:rPr lang="en-US" b="0" i="1" smtClean="0">
+                            <a:solidFill>
+                              <a:srgbClr val="FF0000"/>
+                            </a:solidFill>
+                            <a:latin typeface="Cambria Math" panose="02040503050406030204" pitchFamily="18" charset="0"/>
+                          </a:rPr>
+                          <m:t> </m:t>
+                        </m:r>
+                        <m:r>
+                          <a:rPr lang="en-US" b="0" i="1" smtClean="0">
+                            <a:solidFill>
+                              <a:srgbClr val="FF0000"/>
+                            </a:solidFill>
+                            <a:latin typeface="Cambria Math" panose="02040503050406030204" pitchFamily="18" charset="0"/>
+                          </a:rPr>
+                          <m:t>𝑃𝑖𝑧𝑧𝑎</m:t>
+                        </m:r>
+                      </m:den>
+                    </m:f>
+                    <m:r>
+                      <a:rPr lang="en-US" b="0" i="1" smtClean="0">
+                        <a:solidFill>
+                          <a:srgbClr val="FF0000"/>
+                        </a:solidFill>
+                        <a:latin typeface="Cambria Math" panose="02040503050406030204" pitchFamily="18" charset="0"/>
+                      </a:rPr>
+                      <m:t>=</m:t>
+                    </m:r>
                     <m:f>
                       <m:fPr>
                         <m:ctrlPr>
@@ -5868,6 +6109,211 @@
                     <m:f>
                       <m:fPr>
                         <m:ctrlPr>
+                          <a:rPr lang="en-US" i="1">
+                            <a:solidFill>
+                              <a:srgbClr val="FF0000"/>
+                            </a:solidFill>
+                            <a:latin typeface="Cambria Math" panose="02040503050406030204" pitchFamily="18" charset="0"/>
+                          </a:rPr>
+                        </m:ctrlPr>
+                      </m:fPr>
+                      <m:num>
+                        <m:r>
+                          <a:rPr lang="en-US" i="1">
+                            <a:solidFill>
+                              <a:srgbClr val="FF0000"/>
+                            </a:solidFill>
+                            <a:latin typeface="Cambria Math" panose="02040503050406030204" pitchFamily="18" charset="0"/>
+                          </a:rPr>
+                          <m:t>𝐴𝑚𝑜𝑢𝑛𝑡</m:t>
+                        </m:r>
+                        <m:r>
+                          <a:rPr lang="en-US" i="1">
+                            <a:solidFill>
+                              <a:srgbClr val="FF0000"/>
+                            </a:solidFill>
+                            <a:latin typeface="Cambria Math" panose="02040503050406030204" pitchFamily="18" charset="0"/>
+                          </a:rPr>
+                          <m:t> </m:t>
+                        </m:r>
+                        <m:r>
+                          <a:rPr lang="en-US" i="1">
+                            <a:solidFill>
+                              <a:srgbClr val="FF0000"/>
+                            </a:solidFill>
+                            <a:latin typeface="Cambria Math" panose="02040503050406030204" pitchFamily="18" charset="0"/>
+                          </a:rPr>
+                          <m:t>𝑜𝑓</m:t>
+                        </m:r>
+                        <m:r>
+                          <a:rPr lang="en-US" i="1">
+                            <a:solidFill>
+                              <a:srgbClr val="FF0000"/>
+                            </a:solidFill>
+                            <a:latin typeface="Cambria Math" panose="02040503050406030204" pitchFamily="18" charset="0"/>
+                          </a:rPr>
+                          <m:t> </m:t>
+                        </m:r>
+                        <m:r>
+                          <a:rPr lang="en-US" i="1">
+                            <a:solidFill>
+                              <a:srgbClr val="FF0000"/>
+                            </a:solidFill>
+                            <a:latin typeface="Cambria Math" panose="02040503050406030204" pitchFamily="18" charset="0"/>
+                          </a:rPr>
+                          <m:t>𝑀𝑜𝑛𝑒𝑦</m:t>
+                        </m:r>
+                        <m:r>
+                          <a:rPr lang="en-US" i="1">
+                            <a:solidFill>
+                              <a:srgbClr val="FF0000"/>
+                            </a:solidFill>
+                            <a:latin typeface="Cambria Math" panose="02040503050406030204" pitchFamily="18" charset="0"/>
+                          </a:rPr>
+                          <m:t> </m:t>
+                        </m:r>
+                        <m:r>
+                          <a:rPr lang="en-US" i="1">
+                            <a:solidFill>
+                              <a:srgbClr val="FF0000"/>
+                            </a:solidFill>
+                            <a:latin typeface="Cambria Math" panose="02040503050406030204" pitchFamily="18" charset="0"/>
+                          </a:rPr>
+                          <m:t>𝑌𝑜𝑢</m:t>
+                        </m:r>
+                        <m:r>
+                          <a:rPr lang="en-US" i="1">
+                            <a:solidFill>
+                              <a:srgbClr val="FF0000"/>
+                            </a:solidFill>
+                            <a:latin typeface="Cambria Math" panose="02040503050406030204" pitchFamily="18" charset="0"/>
+                          </a:rPr>
+                          <m:t> </m:t>
+                        </m:r>
+                        <m:r>
+                          <a:rPr lang="en-US" i="1">
+                            <a:solidFill>
+                              <a:srgbClr val="FF0000"/>
+                            </a:solidFill>
+                            <a:latin typeface="Cambria Math" panose="02040503050406030204" pitchFamily="18" charset="0"/>
+                          </a:rPr>
+                          <m:t>𝐻𝑎𝑣𝑒</m:t>
+                        </m:r>
+                      </m:num>
+                      <m:den>
+                        <m:r>
+                          <a:rPr lang="en-US" i="1">
+                            <a:solidFill>
+                              <a:srgbClr val="FF0000"/>
+                            </a:solidFill>
+                            <a:latin typeface="Cambria Math" panose="02040503050406030204" pitchFamily="18" charset="0"/>
+                          </a:rPr>
+                          <m:t>𝑃𝑟𝑖𝑐𝑒</m:t>
+                        </m:r>
+                        <m:r>
+                          <a:rPr lang="en-US" i="1">
+                            <a:solidFill>
+                              <a:srgbClr val="FF0000"/>
+                            </a:solidFill>
+                            <a:latin typeface="Cambria Math" panose="02040503050406030204" pitchFamily="18" charset="0"/>
+                          </a:rPr>
+                          <m:t> </m:t>
+                        </m:r>
+                        <m:r>
+                          <a:rPr lang="en-US" i="1">
+                            <a:solidFill>
+                              <a:srgbClr val="FF0000"/>
+                            </a:solidFill>
+                            <a:latin typeface="Cambria Math" panose="02040503050406030204" pitchFamily="18" charset="0"/>
+                          </a:rPr>
+                          <m:t>𝑜𝑓</m:t>
+                        </m:r>
+                        <m:r>
+                          <a:rPr lang="en-US" i="1">
+                            <a:solidFill>
+                              <a:srgbClr val="FF0000"/>
+                            </a:solidFill>
+                            <a:latin typeface="Cambria Math" panose="02040503050406030204" pitchFamily="18" charset="0"/>
+                          </a:rPr>
+                          <m:t> 1 </m:t>
+                        </m:r>
+                        <m:r>
+                          <a:rPr lang="en-US" b="0" i="1" smtClean="0">
+                            <a:solidFill>
+                              <a:srgbClr val="FF0000"/>
+                            </a:solidFill>
+                            <a:latin typeface="Cambria Math" panose="02040503050406030204" pitchFamily="18" charset="0"/>
+                          </a:rPr>
+                          <m:t>𝐶𝑢𝑝</m:t>
+                        </m:r>
+                        <m:r>
+                          <a:rPr lang="en-US" b="0" i="1" smtClean="0">
+                            <a:solidFill>
+                              <a:srgbClr val="FF0000"/>
+                            </a:solidFill>
+                            <a:latin typeface="Cambria Math" panose="02040503050406030204" pitchFamily="18" charset="0"/>
+                          </a:rPr>
+                          <m:t> </m:t>
+                        </m:r>
+                        <m:r>
+                          <a:rPr lang="en-US" b="0" i="1" smtClean="0">
+                            <a:solidFill>
+                              <a:srgbClr val="FF0000"/>
+                            </a:solidFill>
+                            <a:latin typeface="Cambria Math" panose="02040503050406030204" pitchFamily="18" charset="0"/>
+                          </a:rPr>
+                          <m:t>𝑜𝑓</m:t>
+                        </m:r>
+                        <m:r>
+                          <a:rPr lang="en-US" b="0" i="1" smtClean="0">
+                            <a:solidFill>
+                              <a:srgbClr val="FF0000"/>
+                            </a:solidFill>
+                            <a:latin typeface="Cambria Math" panose="02040503050406030204" pitchFamily="18" charset="0"/>
+                          </a:rPr>
+                          <m:t> </m:t>
+                        </m:r>
+                        <m:r>
+                          <a:rPr lang="en-US" b="0" i="1" smtClean="0">
+                            <a:solidFill>
+                              <a:srgbClr val="FF0000"/>
+                            </a:solidFill>
+                            <a:latin typeface="Cambria Math" panose="02040503050406030204" pitchFamily="18" charset="0"/>
+                          </a:rPr>
+                          <m:t>𝑆𝑜𝑓𝑡</m:t>
+                        </m:r>
+                        <m:r>
+                          <a:rPr lang="en-US" b="0" i="1" smtClean="0">
+                            <a:solidFill>
+                              <a:srgbClr val="FF0000"/>
+                            </a:solidFill>
+                            <a:latin typeface="Cambria Math" panose="02040503050406030204" pitchFamily="18" charset="0"/>
+                          </a:rPr>
+                          <m:t> </m:t>
+                        </m:r>
+                        <m:r>
+                          <a:rPr lang="en-US" b="0" i="1" smtClean="0">
+                            <a:solidFill>
+                              <a:srgbClr val="FF0000"/>
+                            </a:solidFill>
+                            <a:latin typeface="Cambria Math" panose="02040503050406030204" pitchFamily="18" charset="0"/>
+                          </a:rPr>
+                          <m:t>𝐷𝑟𝑖𝑛𝑘</m:t>
+                        </m:r>
+                      </m:den>
+                    </m:f>
+                    <m:r>
+                      <a:rPr lang="en-US" i="1">
+                        <a:solidFill>
+                          <a:srgbClr val="FF0000"/>
+                        </a:solidFill>
+                        <a:latin typeface="Cambria Math" panose="02040503050406030204" pitchFamily="18" charset="0"/>
+                      </a:rPr>
+                      <m:t>=</m:t>
+                    </m:r>
+                    <m:f>
+                      <m:fPr>
+                        <m:ctrlPr>
                           <a:rPr lang="en-US" b="0" i="1" smtClean="0">
                             <a:solidFill>
                               <a:srgbClr val="FF0000"/>
@@ -6405,56 +6851,198 @@
               </a:p>
               <a:p>
                 <a:pPr lvl="1"/>
+                <a:r>
+                  <a:rPr lang="en-US" dirty="0">
+                    <a:solidFill>
+                      <a:srgbClr val="FF0000"/>
+                    </a:solidFill>
+                  </a:rPr>
+                  <a:t>Total Expenditure should be less than or equal to your budget.</a:t>
+                </a:r>
+              </a:p>
+              <a:p>
+                <a:pPr lvl="3"/>
+                <a:endParaRPr lang="en-US" dirty="0">
+                  <a:solidFill>
+                    <a:srgbClr val="FF0000"/>
+                  </a:solidFill>
+                </a:endParaRPr>
+              </a:p>
+              <a:p>
+                <a:pPr lvl="1"/>
+                <a:r>
+                  <a:rPr lang="en-US" dirty="0">
+                    <a:solidFill>
+                      <a:srgbClr val="FF0000"/>
+                    </a:solidFill>
+                  </a:rPr>
+                  <a:t>(Amount of Money Spent on Pizza) + (Amount of Money Spent on Soft Drinks) </a:t>
+                </a:r>
                 <a14:m>
                   <m:oMath xmlns:m="http://schemas.openxmlformats.org/officeDocument/2006/math">
                     <m:r>
-                      <a:rPr lang="en-US" b="0" i="1" smtClean="0">
+                      <a:rPr lang="en-US" i="1" smtClean="0">
+                        <a:solidFill>
+                          <a:srgbClr val="FF0000"/>
+                        </a:solidFill>
+                        <a:latin typeface="Cambria Math" panose="02040503050406030204" pitchFamily="18" charset="0"/>
+                        <a:ea typeface="Cambria Math" panose="02040503050406030204" pitchFamily="18" charset="0"/>
+                      </a:rPr>
+                      <m:t>≤</m:t>
+                    </m:r>
+                  </m:oMath>
+                </a14:m>
+                <a:r>
+                  <a:rPr lang="en-US" dirty="0">
+                    <a:solidFill>
+                      <a:srgbClr val="FF0000"/>
+                    </a:solidFill>
+                  </a:rPr>
+                  <a:t> Amount of Money You Have </a:t>
+                </a:r>
+              </a:p>
+              <a:p>
+                <a:pPr lvl="3"/>
+                <a:endParaRPr lang="en-US" dirty="0">
+                  <a:solidFill>
+                    <a:srgbClr val="FF0000"/>
+                  </a:solidFill>
+                </a:endParaRPr>
+              </a:p>
+              <a:p>
+                <a:pPr lvl="1"/>
+                <a14:m>
+                  <m:oMath xmlns:m="http://schemas.openxmlformats.org/officeDocument/2006/math">
+                    <m:r>
+                      <a:rPr lang="en-US" b="1" i="1" smtClean="0">
                         <a:solidFill>
                           <a:srgbClr val="FF0000"/>
                         </a:solidFill>
                         <a:latin typeface="Cambria Math" panose="02040503050406030204" pitchFamily="18" charset="0"/>
                       </a:rPr>
-                      <m:t>6×</m:t>
+                      <m:t>𝟔</m:t>
                     </m:r>
                     <m:r>
-                      <a:rPr lang="en-US" b="0" i="1" smtClean="0">
+                      <a:rPr lang="en-US" b="1" i="1" smtClean="0">
                         <a:solidFill>
                           <a:srgbClr val="FF0000"/>
                         </a:solidFill>
                         <a:latin typeface="Cambria Math" panose="02040503050406030204" pitchFamily="18" charset="0"/>
                       </a:rPr>
-                      <m:t>𝑃𝑖𝑧𝑧𝑎</m:t>
+                      <m:t>×(</m:t>
                     </m:r>
                     <m:r>
-                      <a:rPr lang="en-US" b="0" i="1" smtClean="0">
+                      <a:rPr lang="en-US" b="1" i="1" smtClean="0">
                         <a:solidFill>
                           <a:srgbClr val="FF0000"/>
                         </a:solidFill>
                         <a:latin typeface="Cambria Math" panose="02040503050406030204" pitchFamily="18" charset="0"/>
                       </a:rPr>
-                      <m:t>+4×</m:t>
+                      <m:t>𝑷𝒊𝒛𝒛𝒂</m:t>
                     </m:r>
                     <m:r>
-                      <a:rPr lang="en-US" b="0" i="1" smtClean="0">
+                      <a:rPr lang="en-US" b="1" i="1" smtClean="0">
                         <a:solidFill>
                           <a:srgbClr val="FF0000"/>
                         </a:solidFill>
                         <a:latin typeface="Cambria Math" panose="02040503050406030204" pitchFamily="18" charset="0"/>
                       </a:rPr>
-                      <m:t>𝑆𝑜𝑓𝑡𝐷𝑟𝑖𝑛𝑘𝑠</m:t>
+                      <m:t>)</m:t>
                     </m:r>
                     <m:r>
-                      <a:rPr lang="en-US" b="0" i="1" smtClean="0">
+                      <a:rPr lang="en-US" b="1" i="1" smtClean="0">
                         <a:solidFill>
                           <a:srgbClr val="FF0000"/>
                         </a:solidFill>
                         <a:latin typeface="Cambria Math" panose="02040503050406030204" pitchFamily="18" charset="0"/>
                       </a:rPr>
-                      <m:t>=60</m:t>
+                      <m:t>+</m:t>
+                    </m:r>
+                    <m:r>
+                      <a:rPr lang="en-US" b="1" i="1" smtClean="0">
+                        <a:solidFill>
+                          <a:srgbClr val="FF0000"/>
+                        </a:solidFill>
+                        <a:latin typeface="Cambria Math" panose="02040503050406030204" pitchFamily="18" charset="0"/>
+                      </a:rPr>
+                      <m:t>𝟒</m:t>
+                    </m:r>
+                    <m:r>
+                      <a:rPr lang="en-US" b="1" i="1" smtClean="0">
+                        <a:solidFill>
+                          <a:srgbClr val="FF0000"/>
+                        </a:solidFill>
+                        <a:latin typeface="Cambria Math" panose="02040503050406030204" pitchFamily="18" charset="0"/>
+                      </a:rPr>
+                      <m:t>×(</m:t>
+                    </m:r>
+                    <m:r>
+                      <a:rPr lang="en-US" b="1" i="1" smtClean="0">
+                        <a:solidFill>
+                          <a:srgbClr val="FF0000"/>
+                        </a:solidFill>
+                        <a:latin typeface="Cambria Math" panose="02040503050406030204" pitchFamily="18" charset="0"/>
+                      </a:rPr>
+                      <m:t>𝑺𝒐𝒇𝒕</m:t>
+                    </m:r>
+                    <m:r>
+                      <a:rPr lang="en-US" b="1" i="1" smtClean="0">
+                        <a:solidFill>
+                          <a:srgbClr val="FF0000"/>
+                        </a:solidFill>
+                        <a:latin typeface="Cambria Math" panose="02040503050406030204" pitchFamily="18" charset="0"/>
+                      </a:rPr>
+                      <m:t> </m:t>
+                    </m:r>
+                    <m:r>
+                      <a:rPr lang="en-US" b="1" i="1" smtClean="0">
+                        <a:solidFill>
+                          <a:srgbClr val="FF0000"/>
+                        </a:solidFill>
+                        <a:latin typeface="Cambria Math" panose="02040503050406030204" pitchFamily="18" charset="0"/>
+                      </a:rPr>
+                      <m:t>𝑫𝒓𝒊𝒏𝒌𝒔</m:t>
+                    </m:r>
+                    <m:r>
+                      <a:rPr lang="en-US" b="1" i="1" smtClean="0">
+                        <a:solidFill>
+                          <a:srgbClr val="FF0000"/>
+                        </a:solidFill>
+                        <a:latin typeface="Cambria Math" panose="02040503050406030204" pitchFamily="18" charset="0"/>
+                      </a:rPr>
+                      <m:t>)</m:t>
+                    </m:r>
+                    <m:r>
+                      <a:rPr lang="en-US" b="1" i="1">
+                        <a:solidFill>
+                          <a:srgbClr val="FF0000"/>
+                        </a:solidFill>
+                        <a:latin typeface="Cambria Math" panose="02040503050406030204" pitchFamily="18" charset="0"/>
+                        <a:ea typeface="Cambria Math" panose="02040503050406030204" pitchFamily="18" charset="0"/>
+                      </a:rPr>
+                      <m:t>≤</m:t>
+                    </m:r>
+                    <m:r>
+                      <a:rPr lang="en-US" b="1" i="1" smtClean="0">
+                        <a:solidFill>
+                          <a:srgbClr val="FF0000"/>
+                        </a:solidFill>
+                        <a:latin typeface="Cambria Math" panose="02040503050406030204" pitchFamily="18" charset="0"/>
+                      </a:rPr>
+                      <m:t> </m:t>
+                    </m:r>
+                    <m:r>
+                      <a:rPr lang="en-US" b="1" i="1" smtClean="0">
+                        <a:solidFill>
+                          <a:srgbClr val="FF0000"/>
+                        </a:solidFill>
+                        <a:latin typeface="Cambria Math" panose="02040503050406030204" pitchFamily="18" charset="0"/>
+                      </a:rPr>
+                      <m:t>𝟔𝟎</m:t>
                     </m:r>
                   </m:oMath>
                 </a14:m>
-                <a:endParaRPr lang="en-US" dirty="0">
+                <a:endParaRPr lang="en-US" b="1" dirty="0">
                   <a:solidFill>
                     <a:srgbClr val="FF0000"/>
                   </a:solidFill>
@@ -6484,7 +7072,7 @@
               <a:blipFill>
                 <a:blip r:embed="rId2"/>
                 <a:stretch>
-                  <a:fillRect l="-1005" t="-1821"/>
+                  <a:fillRect l="-1005" t="-1821" r="-232"/>
                 </a:stretch>
               </a:blipFill>
             </p:spPr>
@@ -6586,6 +7174,58 @@
               <a:t>6</a:t>
             </a:fld>
             <a:endParaRPr lang="en-US" dirty="0"/>
+          </a:p>
+        </p:txBody>
+      </p:sp>
+      <p:sp>
+        <p:nvSpPr>
+          <p:cNvPr id="7" name="Rectangle 6">
+            <a:extLst>
+              <a:ext uri="{FF2B5EF4-FFF2-40B4-BE49-F238E27FC236}">
+                <a16:creationId xmlns:a16="http://schemas.microsoft.com/office/drawing/2014/main" id="{8FFEE8E2-669F-A608-DFCE-BD31028C87EF}"/>
+              </a:ext>
+            </a:extLst>
+          </p:cNvPr>
+          <p:cNvSpPr/>
+          <p:nvPr/>
+        </p:nvSpPr>
+        <p:spPr>
+          <a:xfrm>
+            <a:off x="1345721" y="5357005"/>
+            <a:ext cx="4589254" cy="483080"/>
+          </a:xfrm>
+          <a:prstGeom prst="rect">
+            <a:avLst/>
+          </a:prstGeom>
+          <a:noFill/>
+          <a:ln w="28575">
+            <a:solidFill>
+              <a:srgbClr val="FF0000"/>
+            </a:solidFill>
+          </a:ln>
+        </p:spPr>
+        <p:style>
+          <a:lnRef idx="2">
+            <a:schemeClr val="accent1">
+              <a:shade val="15000"/>
+            </a:schemeClr>
+          </a:lnRef>
+          <a:fillRef idx="1">
+            <a:schemeClr val="accent1"/>
+          </a:fillRef>
+          <a:effectRef idx="0">
+            <a:schemeClr val="accent1"/>
+          </a:effectRef>
+          <a:fontRef idx="minor">
+            <a:schemeClr val="lt1"/>
+          </a:fontRef>
+        </p:style>
+        <p:txBody>
+          <a:bodyPr rtlCol="0" anchor="ctr"/>
+          <a:lstStyle/>
+          <a:p>
+            <a:pPr algn="ctr"/>
+            <a:endParaRPr lang="en-US"/>
           </a:p>
         </p:txBody>
       </p:sp>
@@ -6667,7 +7307,9 @@
             </p:nvSpPr>
             <p:spPr/>
             <p:txBody>
-              <a:bodyPr/>
+              <a:bodyPr>
+                <a:normAutofit/>
+              </a:bodyPr>
               <a:lstStyle/>
               <a:p>
                 <a:r>
@@ -6695,6 +7337,51 @@
                   <a:buNone/>
                 </a:pPr>
                 <a:endParaRPr lang="en-US" sz="1600" i="1" dirty="0">
+                  <a:solidFill>
+                    <a:srgbClr val="FF0000"/>
+                  </a:solidFill>
+                  <a:latin typeface="Cambria Math" panose="02040503050406030204" pitchFamily="18" charset="0"/>
+                </a:endParaRPr>
+              </a:p>
+              <a:p>
+                <a:pPr lvl="1"/>
+                <a:r>
+                  <a:rPr lang="en-US" dirty="0">
+                    <a:solidFill>
+                      <a:srgbClr val="FF0000"/>
+                    </a:solidFill>
+                  </a:rPr>
+                  <a:t>Use the intercepts, the points where the graph meets the axes.</a:t>
+                </a:r>
+              </a:p>
+              <a:p>
+                <a:pPr lvl="3"/>
+                <a:endParaRPr lang="en-US" dirty="0">
+                  <a:solidFill>
+                    <a:srgbClr val="FF0000"/>
+                  </a:solidFill>
+                </a:endParaRPr>
+              </a:p>
+              <a:p>
+                <a:pPr lvl="1"/>
+                <a:r>
+                  <a:rPr lang="en-US" dirty="0">
+                    <a:solidFill>
+                      <a:srgbClr val="FF0000"/>
+                    </a:solidFill>
+                  </a:rPr>
+                  <a:t>(15 soft drinks and 0 pizza), and (0 soft drinks and 10 pizza).</a:t>
+                </a:r>
+                <a:endParaRPr lang="en-US" b="0" i="1" dirty="0">
+                  <a:solidFill>
+                    <a:srgbClr val="FF0000"/>
+                  </a:solidFill>
+                  <a:latin typeface="Cambria Math" panose="02040503050406030204" pitchFamily="18" charset="0"/>
+                </a:endParaRPr>
+              </a:p>
+              <a:p>
+                <a:pPr lvl="3"/>
+                <a:endParaRPr lang="en-US" i="1" dirty="0">
                   <a:solidFill>
                     <a:srgbClr val="FF0000"/>
                   </a:solidFill>
@@ -6736,6 +7423,247 @@
                             <a:latin typeface="Cambria Math" panose="02040503050406030204" pitchFamily="18" charset="0"/>
                           </a:rPr>
                           <m:t>𝑅𝑢𝑛</m:t>
+                        </m:r>
+                      </m:den>
+                    </m:f>
+                    <m:r>
+                      <a:rPr lang="en-US" b="0" i="1" smtClean="0">
+                        <a:solidFill>
+                          <a:srgbClr val="FF0000"/>
+                        </a:solidFill>
+                        <a:latin typeface="Cambria Math" panose="02040503050406030204" pitchFamily="18" charset="0"/>
+                      </a:rPr>
+                      <m:t>=</m:t>
+                    </m:r>
+                    <m:f>
+                      <m:fPr>
+                        <m:ctrlPr>
+                          <a:rPr lang="en-US" i="1">
+                            <a:solidFill>
+                              <a:srgbClr val="FF0000"/>
+                            </a:solidFill>
+                            <a:latin typeface="Cambria Math" panose="02040503050406030204" pitchFamily="18" charset="0"/>
+                          </a:rPr>
+                        </m:ctrlPr>
+                      </m:fPr>
+                      <m:num>
+                        <m:r>
+                          <a:rPr lang="en-US" b="0" i="1" smtClean="0">
+                            <a:solidFill>
+                              <a:srgbClr val="FF0000"/>
+                            </a:solidFill>
+                            <a:latin typeface="Cambria Math" panose="02040503050406030204" pitchFamily="18" charset="0"/>
+                          </a:rPr>
+                          <m:t>15 </m:t>
+                        </m:r>
+                        <m:r>
+                          <a:rPr lang="en-US" b="0" i="1" smtClean="0">
+                            <a:solidFill>
+                              <a:srgbClr val="FF0000"/>
+                            </a:solidFill>
+                            <a:latin typeface="Cambria Math" panose="02040503050406030204" pitchFamily="18" charset="0"/>
+                          </a:rPr>
+                          <m:t>𝐿𝑒𝑠𝑠</m:t>
+                        </m:r>
+                        <m:r>
+                          <a:rPr lang="en-US" b="0" i="1" smtClean="0">
+                            <a:solidFill>
+                              <a:srgbClr val="FF0000"/>
+                            </a:solidFill>
+                            <a:latin typeface="Cambria Math" panose="02040503050406030204" pitchFamily="18" charset="0"/>
+                          </a:rPr>
+                          <m:t> </m:t>
+                        </m:r>
+                        <m:r>
+                          <a:rPr lang="en-US" b="0" i="1" smtClean="0">
+                            <a:solidFill>
+                              <a:srgbClr val="FF0000"/>
+                            </a:solidFill>
+                            <a:latin typeface="Cambria Math" panose="02040503050406030204" pitchFamily="18" charset="0"/>
+                          </a:rPr>
+                          <m:t>𝑆𝑜𝑓𝑡</m:t>
+                        </m:r>
+                        <m:r>
+                          <a:rPr lang="en-US" b="0" i="1" smtClean="0">
+                            <a:solidFill>
+                              <a:srgbClr val="FF0000"/>
+                            </a:solidFill>
+                            <a:latin typeface="Cambria Math" panose="02040503050406030204" pitchFamily="18" charset="0"/>
+                          </a:rPr>
+                          <m:t> </m:t>
+                        </m:r>
+                        <m:r>
+                          <a:rPr lang="en-US" b="0" i="1" smtClean="0">
+                            <a:solidFill>
+                              <a:srgbClr val="FF0000"/>
+                            </a:solidFill>
+                            <a:latin typeface="Cambria Math" panose="02040503050406030204" pitchFamily="18" charset="0"/>
+                          </a:rPr>
+                          <m:t>𝐷𝑟𝑖𝑛𝑘𝑠</m:t>
+                        </m:r>
+                        <m:r>
+                          <a:rPr lang="en-US" b="0" i="1" smtClean="0">
+                            <a:solidFill>
+                              <a:srgbClr val="FF0000"/>
+                            </a:solidFill>
+                            <a:latin typeface="Cambria Math" panose="02040503050406030204" pitchFamily="18" charset="0"/>
+                          </a:rPr>
+                          <m:t> (</m:t>
+                        </m:r>
+                        <m:r>
+                          <a:rPr lang="en-US" b="0" i="1" smtClean="0">
+                            <a:solidFill>
+                              <a:srgbClr val="FF0000"/>
+                            </a:solidFill>
+                            <a:latin typeface="Cambria Math" panose="02040503050406030204" pitchFamily="18" charset="0"/>
+                          </a:rPr>
+                          <m:t>𝑓𝑟𝑜𝑚</m:t>
+                        </m:r>
+                        <m:r>
+                          <a:rPr lang="en-US" b="0" i="1" smtClean="0">
+                            <a:solidFill>
+                              <a:srgbClr val="FF0000"/>
+                            </a:solidFill>
+                            <a:latin typeface="Cambria Math" panose="02040503050406030204" pitchFamily="18" charset="0"/>
+                          </a:rPr>
+                          <m:t> 15 </m:t>
+                        </m:r>
+                        <m:r>
+                          <a:rPr lang="en-US" b="0" i="1" smtClean="0">
+                            <a:solidFill>
+                              <a:srgbClr val="FF0000"/>
+                            </a:solidFill>
+                            <a:latin typeface="Cambria Math" panose="02040503050406030204" pitchFamily="18" charset="0"/>
+                          </a:rPr>
+                          <m:t>𝑡𝑜</m:t>
+                        </m:r>
+                        <m:r>
+                          <a:rPr lang="en-US" b="0" i="1" smtClean="0">
+                            <a:solidFill>
+                              <a:srgbClr val="FF0000"/>
+                            </a:solidFill>
+                            <a:latin typeface="Cambria Math" panose="02040503050406030204" pitchFamily="18" charset="0"/>
+                          </a:rPr>
+                          <m:t> 0)</m:t>
+                        </m:r>
+                      </m:num>
+                      <m:den>
+                        <m:r>
+                          <a:rPr lang="en-US" b="0" i="1" smtClean="0">
+                            <a:solidFill>
+                              <a:srgbClr val="FF0000"/>
+                            </a:solidFill>
+                            <a:latin typeface="Cambria Math" panose="02040503050406030204" pitchFamily="18" charset="0"/>
+                          </a:rPr>
+                          <m:t>10 </m:t>
+                        </m:r>
+                        <m:r>
+                          <a:rPr lang="en-US" b="0" i="1" smtClean="0">
+                            <a:solidFill>
+                              <a:srgbClr val="FF0000"/>
+                            </a:solidFill>
+                            <a:latin typeface="Cambria Math" panose="02040503050406030204" pitchFamily="18" charset="0"/>
+                          </a:rPr>
+                          <m:t>𝑀𝑜𝑟𝑒</m:t>
+                        </m:r>
+                        <m:r>
+                          <a:rPr lang="en-US" b="0" i="1" smtClean="0">
+                            <a:solidFill>
+                              <a:srgbClr val="FF0000"/>
+                            </a:solidFill>
+                            <a:latin typeface="Cambria Math" panose="02040503050406030204" pitchFamily="18" charset="0"/>
+                          </a:rPr>
+                          <m:t> </m:t>
+                        </m:r>
+                        <m:r>
+                          <a:rPr lang="en-US" b="0" i="1" smtClean="0">
+                            <a:solidFill>
+                              <a:srgbClr val="FF0000"/>
+                            </a:solidFill>
+                            <a:latin typeface="Cambria Math" panose="02040503050406030204" pitchFamily="18" charset="0"/>
+                          </a:rPr>
+                          <m:t>𝑆𝑙𝑖𝑐𝑒𝑠</m:t>
+                        </m:r>
+                        <m:r>
+                          <a:rPr lang="en-US" b="0" i="1" smtClean="0">
+                            <a:solidFill>
+                              <a:srgbClr val="FF0000"/>
+                            </a:solidFill>
+                            <a:latin typeface="Cambria Math" panose="02040503050406030204" pitchFamily="18" charset="0"/>
+                          </a:rPr>
+                          <m:t> </m:t>
+                        </m:r>
+                        <m:r>
+                          <a:rPr lang="en-US" b="0" i="1" smtClean="0">
+                            <a:solidFill>
+                              <a:srgbClr val="FF0000"/>
+                            </a:solidFill>
+                            <a:latin typeface="Cambria Math" panose="02040503050406030204" pitchFamily="18" charset="0"/>
+                          </a:rPr>
+                          <m:t>𝑜𝑓</m:t>
+                        </m:r>
+                        <m:r>
+                          <a:rPr lang="en-US" b="0" i="1" smtClean="0">
+                            <a:solidFill>
+                              <a:srgbClr val="FF0000"/>
+                            </a:solidFill>
+                            <a:latin typeface="Cambria Math" panose="02040503050406030204" pitchFamily="18" charset="0"/>
+                          </a:rPr>
+                          <m:t> </m:t>
+                        </m:r>
+                        <m:r>
+                          <a:rPr lang="en-US" b="0" i="1" smtClean="0">
+                            <a:solidFill>
+                              <a:srgbClr val="FF0000"/>
+                            </a:solidFill>
+                            <a:latin typeface="Cambria Math" panose="02040503050406030204" pitchFamily="18" charset="0"/>
+                          </a:rPr>
+                          <m:t>𝑃𝑖𝑧𝑧𝑎</m:t>
+                        </m:r>
+                        <m:r>
+                          <a:rPr lang="en-US" b="0" i="1" smtClean="0">
+                            <a:solidFill>
+                              <a:srgbClr val="FF0000"/>
+                            </a:solidFill>
+                            <a:latin typeface="Cambria Math" panose="02040503050406030204" pitchFamily="18" charset="0"/>
+                          </a:rPr>
+                          <m:t> (</m:t>
+                        </m:r>
+                        <m:r>
+                          <a:rPr lang="en-US" b="0" i="1" smtClean="0">
+                            <a:solidFill>
+                              <a:srgbClr val="FF0000"/>
+                            </a:solidFill>
+                            <a:latin typeface="Cambria Math" panose="02040503050406030204" pitchFamily="18" charset="0"/>
+                          </a:rPr>
+                          <m:t>𝑓𝑟𝑜𝑚</m:t>
+                        </m:r>
+                        <m:r>
+                          <a:rPr lang="en-US" b="0" i="1" smtClean="0">
+                            <a:solidFill>
+                              <a:srgbClr val="FF0000"/>
+                            </a:solidFill>
+                            <a:latin typeface="Cambria Math" panose="02040503050406030204" pitchFamily="18" charset="0"/>
+                          </a:rPr>
+                          <m:t> 0 </m:t>
+                        </m:r>
+                        <m:r>
+                          <a:rPr lang="en-US" b="0" i="1" smtClean="0">
+                            <a:solidFill>
+                              <a:srgbClr val="FF0000"/>
+                            </a:solidFill>
+                            <a:latin typeface="Cambria Math" panose="02040503050406030204" pitchFamily="18" charset="0"/>
+                          </a:rPr>
+                          <m:t>𝑡𝑜</m:t>
+                        </m:r>
+                        <m:r>
+                          <a:rPr lang="en-US" b="0" i="1" smtClean="0">
+                            <a:solidFill>
+                              <a:srgbClr val="FF0000"/>
+                            </a:solidFill>
+                            <a:latin typeface="Cambria Math" panose="02040503050406030204" pitchFamily="18" charset="0"/>
+                          </a:rPr>
+                          <m:t> 10)</m:t>
                         </m:r>
                       </m:den>
                     </m:f>
@@ -7309,6 +8237,25 @@
                 </a:solidFill>
               </a:rPr>
               <a:t>The budget set, which are the bundles that you can afford, will shrink since the price of goods has increased.</a:t>
+            </a:r>
+          </a:p>
+          <a:p>
+            <a:pPr lvl="3"/>
+            <a:endParaRPr lang="en-US" dirty="0">
+              <a:solidFill>
+                <a:srgbClr val="FF0000"/>
+              </a:solidFill>
+            </a:endParaRPr>
+          </a:p>
+          <a:p>
+            <a:pPr lvl="1"/>
+            <a:r>
+              <a:rPr lang="en-US" dirty="0">
+                <a:solidFill>
+                  <a:srgbClr val="FF0000"/>
+                </a:solidFill>
+              </a:rPr>
+              <a:t>For instance, a consumer can no longer purchase 15 soft drinks and 0 slices of pizza.</a:t>
             </a:r>
           </a:p>
           <a:p>
